--- a/presentations/05. Hangi problemi hangi teknikle çözeriz.pptx
+++ b/presentations/05. Hangi problemi hangi teknikle çözeriz.pptx
@@ -110,6 +110,11 @@
       </a:defRPr>
     </a:lvl9pPr>
   </p:defaultTextStyle>
+  <p:extLst>
+    <p:ext uri="{EFAFB233-063F-42B5-8137-9DF3F51BA10A}">
+      <p15:sldGuideLst xmlns:p15="http://schemas.microsoft.com/office/powerpoint/2012/main"/>
+    </p:ext>
+  </p:extLst>
 </p:presentation>
 </file>
 
@@ -3902,6 +3907,42 @@
           </a:p>
         </p:txBody>
       </p:sp>
+      <p:pic>
+        <p:nvPicPr>
+          <p:cNvPr id="17" name="Resim 16">
+            <a:extLst>
+              <a:ext uri="{FF2B5EF4-FFF2-40B4-BE49-F238E27FC236}">
+                <a16:creationId xmlns:a16="http://schemas.microsoft.com/office/drawing/2014/main" id="{30778527-4EC9-4885-9AD6-15B789AB6512}"/>
+              </a:ext>
+            </a:extLst>
+          </p:cNvPr>
+          <p:cNvPicPr>
+            <a:picLocks noChangeAspect="1"/>
+          </p:cNvPicPr>
+          <p:nvPr/>
+        </p:nvPicPr>
+        <p:blipFill>
+          <a:blip r:embed="rId2">
+            <a:extLst>
+              <a:ext uri="{28A0092B-C50C-407E-A947-70E740481C1C}">
+                <a14:useLocalDpi xmlns:a14="http://schemas.microsoft.com/office/drawing/2010/main" val="0"/>
+              </a:ext>
+            </a:extLst>
+          </a:blip>
+          <a:stretch>
+            <a:fillRect/>
+          </a:stretch>
+        </p:blipFill>
+        <p:spPr>
+          <a:xfrm>
+            <a:off x="185300" y="6409183"/>
+            <a:ext cx="2250142" cy="322024"/>
+          </a:xfrm>
+          <a:prstGeom prst="rect">
+            <a:avLst/>
+          </a:prstGeom>
+        </p:spPr>
+      </p:pic>
     </p:spTree>
     <p:extLst>
       <p:ext uri="{BB962C8B-B14F-4D97-AF65-F5344CB8AC3E}">
@@ -4487,6 +4528,42 @@
           </a:prstGeom>
         </p:spPr>
       </p:pic>
+      <p:pic>
+        <p:nvPicPr>
+          <p:cNvPr id="4" name="Resim 3">
+            <a:extLst>
+              <a:ext uri="{FF2B5EF4-FFF2-40B4-BE49-F238E27FC236}">
+                <a16:creationId xmlns:a16="http://schemas.microsoft.com/office/drawing/2014/main" id="{1C44DD5C-A575-43D6-AA3D-F18A992B5A05}"/>
+              </a:ext>
+            </a:extLst>
+          </p:cNvPr>
+          <p:cNvPicPr>
+            <a:picLocks noChangeAspect="1"/>
+          </p:cNvPicPr>
+          <p:nvPr/>
+        </p:nvPicPr>
+        <p:blipFill>
+          <a:blip r:embed="rId3">
+            <a:extLst>
+              <a:ext uri="{28A0092B-C50C-407E-A947-70E740481C1C}">
+                <a14:useLocalDpi xmlns:a14="http://schemas.microsoft.com/office/drawing/2010/main" val="0"/>
+              </a:ext>
+            </a:extLst>
+          </a:blip>
+          <a:stretch>
+            <a:fillRect/>
+          </a:stretch>
+        </p:blipFill>
+        <p:spPr>
+          <a:xfrm>
+            <a:off x="185300" y="6409183"/>
+            <a:ext cx="2250142" cy="322024"/>
+          </a:xfrm>
+          <a:prstGeom prst="rect">
+            <a:avLst/>
+          </a:prstGeom>
+        </p:spPr>
+      </p:pic>
     </p:spTree>
     <p:extLst>
       <p:ext uri="{BB962C8B-B14F-4D97-AF65-F5344CB8AC3E}">
@@ -5478,6 +5555,42 @@
           </a:p>
         </p:txBody>
       </p:sp>
+      <p:pic>
+        <p:nvPicPr>
+          <p:cNvPr id="21" name="Resim 20">
+            <a:extLst>
+              <a:ext uri="{FF2B5EF4-FFF2-40B4-BE49-F238E27FC236}">
+                <a16:creationId xmlns:a16="http://schemas.microsoft.com/office/drawing/2014/main" id="{0C7C21AB-FB9A-465C-B8B7-7C643516E5BE}"/>
+              </a:ext>
+            </a:extLst>
+          </p:cNvPr>
+          <p:cNvPicPr>
+            <a:picLocks noChangeAspect="1"/>
+          </p:cNvPicPr>
+          <p:nvPr/>
+        </p:nvPicPr>
+        <p:blipFill>
+          <a:blip r:embed="rId2">
+            <a:extLst>
+              <a:ext uri="{28A0092B-C50C-407E-A947-70E740481C1C}">
+                <a14:useLocalDpi xmlns:a14="http://schemas.microsoft.com/office/drawing/2010/main" val="0"/>
+              </a:ext>
+            </a:extLst>
+          </a:blip>
+          <a:stretch>
+            <a:fillRect/>
+          </a:stretch>
+        </p:blipFill>
+        <p:spPr>
+          <a:xfrm>
+            <a:off x="135584" y="6535976"/>
+            <a:ext cx="2250142" cy="322024"/>
+          </a:xfrm>
+          <a:prstGeom prst="rect">
+            <a:avLst/>
+          </a:prstGeom>
+        </p:spPr>
+      </p:pic>
     </p:spTree>
     <p:extLst>
       <p:ext uri="{BB962C8B-B14F-4D97-AF65-F5344CB8AC3E}">
@@ -6852,6 +6965,42 @@
           </p:txBody>
         </p:sp>
       </p:grpSp>
+      <p:pic>
+        <p:nvPicPr>
+          <p:cNvPr id="15" name="Resim 14">
+            <a:extLst>
+              <a:ext uri="{FF2B5EF4-FFF2-40B4-BE49-F238E27FC236}">
+                <a16:creationId xmlns:a16="http://schemas.microsoft.com/office/drawing/2014/main" id="{8D4254FD-096A-46DF-869B-C5368B538116}"/>
+              </a:ext>
+            </a:extLst>
+          </p:cNvPr>
+          <p:cNvPicPr>
+            <a:picLocks noChangeAspect="1"/>
+          </p:cNvPicPr>
+          <p:nvPr/>
+        </p:nvPicPr>
+        <p:blipFill>
+          <a:blip r:embed="rId3">
+            <a:extLst>
+              <a:ext uri="{28A0092B-C50C-407E-A947-70E740481C1C}">
+                <a14:useLocalDpi xmlns:a14="http://schemas.microsoft.com/office/drawing/2010/main" val="0"/>
+              </a:ext>
+            </a:extLst>
+          </a:blip>
+          <a:stretch>
+            <a:fillRect/>
+          </a:stretch>
+        </p:blipFill>
+        <p:spPr>
+          <a:xfrm>
+            <a:off x="185300" y="6409183"/>
+            <a:ext cx="2250142" cy="322024"/>
+          </a:xfrm>
+          <a:prstGeom prst="rect">
+            <a:avLst/>
+          </a:prstGeom>
+        </p:spPr>
+      </p:pic>
     </p:spTree>
     <p:extLst>
       <p:ext uri="{BB962C8B-B14F-4D97-AF65-F5344CB8AC3E}">
@@ -10547,6 +10696,42 @@
           </p:txBody>
         </p:sp>
       </p:grpSp>
+      <p:pic>
+        <p:nvPicPr>
+          <p:cNvPr id="16" name="Resim 15">
+            <a:extLst>
+              <a:ext uri="{FF2B5EF4-FFF2-40B4-BE49-F238E27FC236}">
+                <a16:creationId xmlns:a16="http://schemas.microsoft.com/office/drawing/2014/main" id="{965ABD87-EAB2-4E1C-8BF0-EC6E09F65A9B}"/>
+              </a:ext>
+            </a:extLst>
+          </p:cNvPr>
+          <p:cNvPicPr>
+            <a:picLocks noChangeAspect="1"/>
+          </p:cNvPicPr>
+          <p:nvPr/>
+        </p:nvPicPr>
+        <p:blipFill>
+          <a:blip r:embed="rId2">
+            <a:extLst>
+              <a:ext uri="{28A0092B-C50C-407E-A947-70E740481C1C}">
+                <a14:useLocalDpi xmlns:a14="http://schemas.microsoft.com/office/drawing/2010/main" val="0"/>
+              </a:ext>
+            </a:extLst>
+          </a:blip>
+          <a:stretch>
+            <a:fillRect/>
+          </a:stretch>
+        </p:blipFill>
+        <p:spPr>
+          <a:xfrm>
+            <a:off x="185300" y="6409183"/>
+            <a:ext cx="2250142" cy="322024"/>
+          </a:xfrm>
+          <a:prstGeom prst="rect">
+            <a:avLst/>
+          </a:prstGeom>
+        </p:spPr>
+      </p:pic>
     </p:spTree>
     <p:extLst>
       <p:ext uri="{BB962C8B-B14F-4D97-AF65-F5344CB8AC3E}">
@@ -11358,7 +11543,7 @@
         </p:nvCxnSpPr>
         <p:spPr>
           <a:xfrm flipH="1">
-            <a:off x="1554822" y="3781463"/>
+            <a:off x="1554822" y="3480466"/>
             <a:ext cx="1486007" cy="1322960"/>
           </a:xfrm>
           <a:prstGeom prst="straightConnector1">
@@ -11405,7 +11590,7 @@
         <p:spPr>
           <a:xfrm>
             <a:off x="3040829" y="3973725"/>
-            <a:ext cx="3016455" cy="1130698"/>
+            <a:ext cx="2929648" cy="819688"/>
           </a:xfrm>
           <a:prstGeom prst="straightConnector1">
             <a:avLst/>
@@ -11446,7 +11631,7 @@
         </p:nvSpPr>
         <p:spPr>
           <a:xfrm>
-            <a:off x="4774477" y="5104423"/>
+            <a:off x="4687670" y="4793413"/>
             <a:ext cx="2565613" cy="1000125"/>
           </a:xfrm>
           <a:prstGeom prst="rect">
@@ -11494,7 +11679,7 @@
         </p:nvSpPr>
         <p:spPr>
           <a:xfrm>
-            <a:off x="284621" y="5104423"/>
+            <a:off x="284621" y="4803426"/>
             <a:ext cx="2540402" cy="1000125"/>
           </a:xfrm>
           <a:prstGeom prst="rect">
@@ -11638,7 +11823,7 @@
         </p:nvSpPr>
         <p:spPr>
           <a:xfrm>
-            <a:off x="678061" y="6113040"/>
+            <a:off x="529984" y="5636505"/>
             <a:ext cx="1905458" cy="584775"/>
           </a:xfrm>
           <a:prstGeom prst="rect">
@@ -11673,7 +11858,7 @@
         </p:nvSpPr>
         <p:spPr>
           <a:xfrm>
-            <a:off x="4861282" y="6082249"/>
+            <a:off x="4917281" y="5793538"/>
             <a:ext cx="2392001" cy="584775"/>
           </a:xfrm>
           <a:prstGeom prst="rect">
@@ -11777,6 +11962,42 @@
           </a:p>
         </p:txBody>
       </p:sp>
+      <p:pic>
+        <p:nvPicPr>
+          <p:cNvPr id="17" name="Resim 16">
+            <a:extLst>
+              <a:ext uri="{FF2B5EF4-FFF2-40B4-BE49-F238E27FC236}">
+                <a16:creationId xmlns:a16="http://schemas.microsoft.com/office/drawing/2014/main" id="{8BA957C3-2EC2-4743-959A-F4B177E4708F}"/>
+              </a:ext>
+            </a:extLst>
+          </p:cNvPr>
+          <p:cNvPicPr>
+            <a:picLocks noChangeAspect="1"/>
+          </p:cNvPicPr>
+          <p:nvPr/>
+        </p:nvPicPr>
+        <p:blipFill>
+          <a:blip r:embed="rId2">
+            <a:extLst>
+              <a:ext uri="{28A0092B-C50C-407E-A947-70E740481C1C}">
+                <a14:useLocalDpi xmlns:a14="http://schemas.microsoft.com/office/drawing/2010/main" val="0"/>
+              </a:ext>
+            </a:extLst>
+          </a:blip>
+          <a:stretch>
+            <a:fillRect/>
+          </a:stretch>
+        </p:blipFill>
+        <p:spPr>
+          <a:xfrm>
+            <a:off x="185300" y="6409183"/>
+            <a:ext cx="2250142" cy="322024"/>
+          </a:xfrm>
+          <a:prstGeom prst="rect">
+            <a:avLst/>
+          </a:prstGeom>
+        </p:spPr>
+      </p:pic>
     </p:spTree>
     <p:extLst>
       <p:ext uri="{BB962C8B-B14F-4D97-AF65-F5344CB8AC3E}">

--- a/presentations/05. Hangi problemi hangi teknikle çözeriz.pptx
+++ b/presentations/05. Hangi problemi hangi teknikle çözeriz.pptx
@@ -267,7 +267,7 @@
           <a:p>
             <a:fld id="{285E1CDB-994F-4979-B69D-12025101B582}" type="datetimeFigureOut">
               <a:rPr lang="en-US" smtClean="0"/>
-              <a:t>10/1/2019</a:t>
+              <a:t>10/2/2019</a:t>
             </a:fld>
             <a:endParaRPr lang="en-US"/>
           </a:p>
@@ -467,7 +467,7 @@
           <a:p>
             <a:fld id="{285E1CDB-994F-4979-B69D-12025101B582}" type="datetimeFigureOut">
               <a:rPr lang="en-US" smtClean="0"/>
-              <a:t>10/1/2019</a:t>
+              <a:t>10/2/2019</a:t>
             </a:fld>
             <a:endParaRPr lang="en-US"/>
           </a:p>
@@ -677,7 +677,7 @@
           <a:p>
             <a:fld id="{285E1CDB-994F-4979-B69D-12025101B582}" type="datetimeFigureOut">
               <a:rPr lang="en-US" smtClean="0"/>
-              <a:t>10/1/2019</a:t>
+              <a:t>10/2/2019</a:t>
             </a:fld>
             <a:endParaRPr lang="en-US"/>
           </a:p>
@@ -877,7 +877,7 @@
           <a:p>
             <a:fld id="{285E1CDB-994F-4979-B69D-12025101B582}" type="datetimeFigureOut">
               <a:rPr lang="en-US" smtClean="0"/>
-              <a:t>10/1/2019</a:t>
+              <a:t>10/2/2019</a:t>
             </a:fld>
             <a:endParaRPr lang="en-US"/>
           </a:p>
@@ -1153,7 +1153,7 @@
           <a:p>
             <a:fld id="{285E1CDB-994F-4979-B69D-12025101B582}" type="datetimeFigureOut">
               <a:rPr lang="en-US" smtClean="0"/>
-              <a:t>10/1/2019</a:t>
+              <a:t>10/2/2019</a:t>
             </a:fld>
             <a:endParaRPr lang="en-US"/>
           </a:p>
@@ -1421,7 +1421,7 @@
           <a:p>
             <a:fld id="{285E1CDB-994F-4979-B69D-12025101B582}" type="datetimeFigureOut">
               <a:rPr lang="en-US" smtClean="0"/>
-              <a:t>10/1/2019</a:t>
+              <a:t>10/2/2019</a:t>
             </a:fld>
             <a:endParaRPr lang="en-US"/>
           </a:p>
@@ -1836,7 +1836,7 @@
           <a:p>
             <a:fld id="{285E1CDB-994F-4979-B69D-12025101B582}" type="datetimeFigureOut">
               <a:rPr lang="en-US" smtClean="0"/>
-              <a:t>10/1/2019</a:t>
+              <a:t>10/2/2019</a:t>
             </a:fld>
             <a:endParaRPr lang="en-US"/>
           </a:p>
@@ -1978,7 +1978,7 @@
           <a:p>
             <a:fld id="{285E1CDB-994F-4979-B69D-12025101B582}" type="datetimeFigureOut">
               <a:rPr lang="en-US" smtClean="0"/>
-              <a:t>10/1/2019</a:t>
+              <a:t>10/2/2019</a:t>
             </a:fld>
             <a:endParaRPr lang="en-US"/>
           </a:p>
@@ -2091,7 +2091,7 @@
           <a:p>
             <a:fld id="{285E1CDB-994F-4979-B69D-12025101B582}" type="datetimeFigureOut">
               <a:rPr lang="en-US" smtClean="0"/>
-              <a:t>10/1/2019</a:t>
+              <a:t>10/2/2019</a:t>
             </a:fld>
             <a:endParaRPr lang="en-US"/>
           </a:p>
@@ -2404,7 +2404,7 @@
           <a:p>
             <a:fld id="{285E1CDB-994F-4979-B69D-12025101B582}" type="datetimeFigureOut">
               <a:rPr lang="en-US" smtClean="0"/>
-              <a:t>10/1/2019</a:t>
+              <a:t>10/2/2019</a:t>
             </a:fld>
             <a:endParaRPr lang="en-US"/>
           </a:p>
@@ -2693,7 +2693,7 @@
           <a:p>
             <a:fld id="{285E1CDB-994F-4979-B69D-12025101B582}" type="datetimeFigureOut">
               <a:rPr lang="en-US" smtClean="0"/>
-              <a:t>10/1/2019</a:t>
+              <a:t>10/2/2019</a:t>
             </a:fld>
             <a:endParaRPr lang="en-US"/>
           </a:p>
@@ -2936,7 +2936,7 @@
           <a:p>
             <a:fld id="{285E1CDB-994F-4979-B69D-12025101B582}" type="datetimeFigureOut">
               <a:rPr lang="en-US" smtClean="0"/>
-              <a:t>10/1/2019</a:t>
+              <a:t>10/2/2019</a:t>
             </a:fld>
             <a:endParaRPr lang="en-US"/>
           </a:p>
@@ -3943,6 +3943,50 @@
           </a:prstGeom>
         </p:spPr>
       </p:pic>
+      <p:sp>
+        <p:nvSpPr>
+          <p:cNvPr id="18" name="Ok: Sağ 17">
+            <a:extLst>
+              <a:ext uri="{FF2B5EF4-FFF2-40B4-BE49-F238E27FC236}">
+                <a16:creationId xmlns:a16="http://schemas.microsoft.com/office/drawing/2014/main" id="{3A806C81-A031-4BDD-A51E-849C942FE454}"/>
+              </a:ext>
+            </a:extLst>
+          </p:cNvPr>
+          <p:cNvSpPr/>
+          <p:nvPr/>
+        </p:nvSpPr>
+        <p:spPr>
+          <a:xfrm rot="12595897">
+            <a:off x="2738458" y="3163186"/>
+            <a:ext cx="3032891" cy="531628"/>
+          </a:xfrm>
+          <a:prstGeom prst="rightArrow">
+            <a:avLst/>
+          </a:prstGeom>
+        </p:spPr>
+        <p:style>
+          <a:lnRef idx="1">
+            <a:schemeClr val="accent1"/>
+          </a:lnRef>
+          <a:fillRef idx="2">
+            <a:schemeClr val="accent1"/>
+          </a:fillRef>
+          <a:effectRef idx="1">
+            <a:schemeClr val="accent1"/>
+          </a:effectRef>
+          <a:fontRef idx="minor">
+            <a:schemeClr val="dk1"/>
+          </a:fontRef>
+        </p:style>
+        <p:txBody>
+          <a:bodyPr rtlCol="0" anchor="ctr"/>
+          <a:lstStyle/>
+          <a:p>
+            <a:pPr algn="ctr"/>
+            <a:endParaRPr lang="tr-TR"/>
+          </a:p>
+        </p:txBody>
+      </p:sp>
     </p:spTree>
     <p:extLst>
       <p:ext uri="{BB962C8B-B14F-4D97-AF65-F5344CB8AC3E}">
@@ -4325,33 +4369,15 @@
                                   </p:childTnLst>
                                 </p:cTn>
                               </p:par>
-                            </p:childTnLst>
-                          </p:cTn>
-                        </p:par>
-                      </p:childTnLst>
-                    </p:cTn>
-                  </p:par>
-                  <p:par>
-                    <p:cTn id="37" fill="hold">
-                      <p:stCondLst>
-                        <p:cond delay="indefinite"/>
-                      </p:stCondLst>
-                      <p:childTnLst>
-                        <p:par>
-                          <p:cTn id="38" fill="hold">
-                            <p:stCondLst>
-                              <p:cond delay="0"/>
-                            </p:stCondLst>
-                            <p:childTnLst>
                               <p:par>
-                                <p:cTn id="39" presetID="10" presetClass="entr" presetSubtype="0" fill="hold" grpId="0" nodeType="clickEffect">
+                                <p:cTn id="37" presetID="10" presetClass="entr" presetSubtype="0" fill="hold" grpId="0" nodeType="withEffect">
                                   <p:stCondLst>
                                     <p:cond delay="0"/>
                                   </p:stCondLst>
                                   <p:childTnLst>
                                     <p:set>
                                       <p:cBhvr>
-                                        <p:cTn id="40" dur="1" fill="hold">
+                                        <p:cTn id="38" dur="1" fill="hold">
                                           <p:stCondLst>
                                             <p:cond delay="0"/>
                                           </p:stCondLst>
@@ -4369,9 +4395,44 @@
                                     </p:set>
                                     <p:animEffect transition="in" filter="fade">
                                       <p:cBhvr>
-                                        <p:cTn id="41" dur="500"/>
+                                        <p:cTn id="39" dur="500"/>
                                         <p:tgtEl>
                                           <p:spTgt spid="14"/>
+                                        </p:tgtEl>
+                                      </p:cBhvr>
+                                    </p:animEffect>
+                                  </p:childTnLst>
+                                </p:cTn>
+                              </p:par>
+                              <p:par>
+                                <p:cTn id="40" presetID="10" presetClass="entr" presetSubtype="0" fill="hold" grpId="0" nodeType="withEffect">
+                                  <p:stCondLst>
+                                    <p:cond delay="0"/>
+                                  </p:stCondLst>
+                                  <p:childTnLst>
+                                    <p:set>
+                                      <p:cBhvr>
+                                        <p:cTn id="41" dur="1" fill="hold">
+                                          <p:stCondLst>
+                                            <p:cond delay="0"/>
+                                          </p:stCondLst>
+                                        </p:cTn>
+                                        <p:tgtEl>
+                                          <p:spTgt spid="18"/>
+                                        </p:tgtEl>
+                                        <p:attrNameLst>
+                                          <p:attrName>style.visibility</p:attrName>
+                                        </p:attrNameLst>
+                                      </p:cBhvr>
+                                      <p:to>
+                                        <p:strVal val="visible"/>
+                                      </p:to>
+                                    </p:set>
+                                    <p:animEffect transition="in" filter="fade">
+                                      <p:cBhvr>
+                                        <p:cTn id="42" dur="500"/>
+                                        <p:tgtEl>
+                                          <p:spTgt spid="18"/>
                                         </p:tgtEl>
                                       </p:cBhvr>
                                     </p:animEffect>
@@ -4415,6 +4476,7 @@
       <p:bldP spid="15" grpId="0" animBg="1"/>
       <p:bldP spid="16" grpId="0" animBg="1"/>
       <p:bldP spid="14" grpId="0" animBg="1"/>
+      <p:bldP spid="18" grpId="0" animBg="1"/>
     </p:bldLst>
   </p:timing>
 </p:sld>
@@ -6774,7 +6836,9 @@
             <a:avLst/>
           </a:prstGeom>
           <a:solidFill>
-            <a:srgbClr val="A9D18E"/>
+            <a:schemeClr val="accent6">
+              <a:lumMod val="50000"/>
+            </a:schemeClr>
           </a:solidFill>
           <a:ln>
             <a:noFill/>
@@ -6830,7 +6894,9 @@
             <a:avLst/>
           </a:prstGeom>
           <a:solidFill>
-            <a:srgbClr val="A9D18E"/>
+            <a:schemeClr val="accent6">
+              <a:lumMod val="50000"/>
+            </a:schemeClr>
           </a:solidFill>
         </p:spPr>
         <p:style>
@@ -10173,7 +10239,9 @@
             <a:avLst/>
           </a:prstGeom>
           <a:solidFill>
-            <a:srgbClr val="92D050"/>
+            <a:schemeClr val="accent6">
+              <a:lumMod val="50000"/>
+            </a:schemeClr>
           </a:solidFill>
           <a:ln>
             <a:noFill/>
@@ -10229,7 +10297,9 @@
             <a:avLst/>
           </a:prstGeom>
           <a:solidFill>
-            <a:srgbClr val="92D050"/>
+            <a:schemeClr val="accent6">
+              <a:lumMod val="50000"/>
+            </a:schemeClr>
           </a:solidFill>
           <a:ln>
             <a:noFill/>
@@ -10290,7 +10360,9 @@
             <a:avLst/>
           </a:prstGeom>
           <a:solidFill>
-            <a:srgbClr val="92D050"/>
+            <a:schemeClr val="accent6">
+              <a:lumMod val="50000"/>
+            </a:schemeClr>
           </a:solidFill>
           <a:ln>
             <a:noFill/>
@@ -10342,7 +10414,9 @@
             <a:avLst/>
           </a:prstGeom>
           <a:solidFill>
-            <a:srgbClr val="92D050"/>
+            <a:schemeClr val="accent6">
+              <a:lumMod val="50000"/>
+            </a:schemeClr>
           </a:solidFill>
           <a:ln>
             <a:noFill/>
